--- a/course_material/week_15/week_15_presentation.pptx
+++ b/course_material/week_15/week_15_presentation.pptx
@@ -4632,7 +4632,7 @@
           <a:p>
             <a:fld id="{5CF9EFDB-215C-4120-ADCB-EAD745B7163E}" type="datetimeFigureOut">
               <a:rPr lang="en-US" smtClean="0"/>
-              <a:t>6/5/2021</a:t>
+              <a:t>6/9/2021</a:t>
             </a:fld>
             <a:endParaRPr lang="en-US"/>
           </a:p>
@@ -5690,7 +5690,7 @@
           <a:p>
             <a:fld id="{ACF1A1B0-862D-4909-A7DB-D8ADA062DFCA}" type="datetimeFigureOut">
               <a:rPr lang="en-US" dirty="0"/>
-              <a:t>6/5/2021</a:t>
+              <a:t>6/9/2021</a:t>
             </a:fld>
             <a:endParaRPr lang="en-US"/>
           </a:p>
@@ -5913,7 +5913,7 @@
           <a:p>
             <a:fld id="{7B156144-9CB7-4E3A-B87E-A382F9BE05EF}" type="datetimeFigureOut">
               <a:rPr lang="en-US" dirty="0"/>
-              <a:t>6/5/2021</a:t>
+              <a:t>6/9/2021</a:t>
             </a:fld>
             <a:endParaRPr lang="en-US"/>
           </a:p>
@@ -6091,7 +6091,7 @@
           <a:p>
             <a:fld id="{2643D55F-46AB-4791-9172-4FA8DD3A6A9C}" type="datetimeFigureOut">
               <a:rPr lang="en-US" dirty="0"/>
-              <a:t>6/5/2021</a:t>
+              <a:t>6/9/2021</a:t>
             </a:fld>
             <a:endParaRPr lang="en-US"/>
           </a:p>
@@ -6259,7 +6259,7 @@
           <a:p>
             <a:fld id="{58026881-8A08-449C-8D73-E5F201F814C1}" type="datetimeFigureOut">
               <a:rPr lang="en-US" dirty="0"/>
-              <a:t>6/5/2021</a:t>
+              <a:t>6/9/2021</a:t>
             </a:fld>
             <a:endParaRPr lang="en-US"/>
           </a:p>
@@ -6549,7 +6549,7 @@
           <a:p>
             <a:fld id="{1BEB5A5E-0C07-4E93-A112-D37B4D166B30}" type="datetimeFigureOut">
               <a:rPr lang="en-US" dirty="0"/>
-              <a:t>6/5/2021</a:t>
+              <a:t>6/9/2021</a:t>
             </a:fld>
             <a:endParaRPr lang="en-US"/>
           </a:p>
@@ -6872,7 +6872,7 @@
           <a:p>
             <a:fld id="{9E1F71C5-DC57-4358-A1EA-30C08AF6E3C5}" type="datetimeFigureOut">
               <a:rPr lang="en-US" dirty="0"/>
-              <a:t>6/5/2021</a:t>
+              <a:t>6/9/2021</a:t>
             </a:fld>
             <a:endParaRPr lang="en-US"/>
           </a:p>
@@ -7281,7 +7281,7 @@
           <a:p>
             <a:fld id="{12571DBA-DE60-4731-B773-47AAA185C143}" type="datetimeFigureOut">
               <a:rPr lang="en-US" dirty="0"/>
-              <a:t>6/5/2021</a:t>
+              <a:t>6/9/2021</a:t>
             </a:fld>
             <a:endParaRPr lang="en-US"/>
           </a:p>
@@ -7398,7 +7398,7 @@
           <a:p>
             <a:fld id="{4F170639-886C-4FCF-9EAB-ABB5DA3F3F4A}" type="datetimeFigureOut">
               <a:rPr lang="en-US" dirty="0"/>
-              <a:t>6/5/2021</a:t>
+              <a:t>6/9/2021</a:t>
             </a:fld>
             <a:endParaRPr lang="en-US"/>
           </a:p>
@@ -7493,7 +7493,7 @@
           <a:p>
             <a:fld id="{34C4A628-C83B-4C66-83F4-1711CE3738FD}" type="datetimeFigureOut">
               <a:rPr lang="en-US" dirty="0"/>
-              <a:t>6/5/2021</a:t>
+              <a:t>6/9/2021</a:t>
             </a:fld>
             <a:endParaRPr lang="en-US"/>
           </a:p>
@@ -7778,7 +7778,7 @@
           <a:p>
             <a:fld id="{B88C1D73-9400-43CA-A37F-F9B7D00DE14C}" type="datetimeFigureOut">
               <a:rPr lang="en-US" dirty="0"/>
-              <a:t>6/5/2021</a:t>
+              <a:t>6/9/2021</a:t>
             </a:fld>
             <a:endParaRPr lang="en-US"/>
           </a:p>
@@ -8050,7 +8050,7 @@
           <a:p>
             <a:fld id="{188B7711-B905-4633-B4D7-6F3A49A2E7D9}" type="datetimeFigureOut">
               <a:rPr lang="en-US" dirty="0"/>
-              <a:t>6/5/2021</a:t>
+              <a:t>6/9/2021</a:t>
             </a:fld>
             <a:endParaRPr lang="en-US"/>
           </a:p>
@@ -8300,7 +8300,7 @@
             <a:fld id="{89C235CF-BDA2-4E7E-8BBD-350479985E74}" type="datetimeFigureOut">
               <a:rPr lang="en-US" dirty="0"/>
               <a:pPr/>
-              <a:t>6/5/2021</a:t>
+              <a:t>6/9/2021</a:t>
             </a:fld>
             <a:endParaRPr lang="en-US"/>
           </a:p>
@@ -9531,7 +9531,7 @@
           <a:p>
             <a:r>
               <a:rPr lang="en-US" dirty="0"/>
-              <a:t>Oversample and </a:t>
+              <a:t>Oversampling and </a:t>
             </a:r>
             <a:r>
               <a:rPr lang="en-US" dirty="0" err="1"/>
@@ -9575,15 +9575,7 @@
           <a:p>
             <a:r>
               <a:rPr lang="en-US" dirty="0"/>
-              <a:t>They help us build models when we are trying to predict a minority case. </a:t>
-            </a:r>
-            <a:r>
-              <a:rPr lang="en-US"/>
-              <a:t>Examples: fraud </a:t>
-            </a:r>
-            <a:r>
-              <a:rPr lang="en-US" dirty="0"/>
-              <a:t>detection and medical diagnosis</a:t>
+              <a:t>They help us build models when we are trying to predict a minority case. Examples: fraud detection and medical diagnosis</a:t>
             </a:r>
           </a:p>
           <a:p>
@@ -9626,6 +9618,430 @@
   <p:clrMapOvr>
     <a:masterClrMapping/>
   </p:clrMapOvr>
+  <p:timing>
+    <p:tnLst>
+      <p:par>
+        <p:cTn id="1" dur="indefinite" restart="never" nodeType="tmRoot">
+          <p:childTnLst>
+            <p:seq concurrent="1" nextAc="seek">
+              <p:cTn id="2" dur="indefinite" nodeType="mainSeq">
+                <p:childTnLst>
+                  <p:par>
+                    <p:cTn id="3" fill="hold">
+                      <p:stCondLst>
+                        <p:cond delay="indefinite"/>
+                      </p:stCondLst>
+                      <p:childTnLst>
+                        <p:par>
+                          <p:cTn id="4" fill="hold">
+                            <p:stCondLst>
+                              <p:cond delay="0"/>
+                            </p:stCondLst>
+                            <p:childTnLst>
+                              <p:par>
+                                <p:cTn id="5" presetID="2" presetClass="entr" presetSubtype="4" fill="hold" nodeType="clickEffect">
+                                  <p:stCondLst>
+                                    <p:cond delay="0"/>
+                                  </p:stCondLst>
+                                  <p:childTnLst>
+                                    <p:set>
+                                      <p:cBhvr>
+                                        <p:cTn id="6" dur="1" fill="hold">
+                                          <p:stCondLst>
+                                            <p:cond delay="0"/>
+                                          </p:stCondLst>
+                                        </p:cTn>
+                                        <p:tgtEl>
+                                          <p:spTgt spid="3">
+                                            <p:txEl>
+                                              <p:pRg st="2" end="2"/>
+                                            </p:txEl>
+                                          </p:spTgt>
+                                        </p:tgtEl>
+                                        <p:attrNameLst>
+                                          <p:attrName>style.visibility</p:attrName>
+                                        </p:attrNameLst>
+                                      </p:cBhvr>
+                                      <p:to>
+                                        <p:strVal val="visible"/>
+                                      </p:to>
+                                    </p:set>
+                                    <p:anim calcmode="lin" valueType="num">
+                                      <p:cBhvr additive="base">
+                                        <p:cTn id="7" dur="500" fill="hold"/>
+                                        <p:tgtEl>
+                                          <p:spTgt spid="3">
+                                            <p:txEl>
+                                              <p:pRg st="2" end="2"/>
+                                            </p:txEl>
+                                          </p:spTgt>
+                                        </p:tgtEl>
+                                        <p:attrNameLst>
+                                          <p:attrName>ppt_x</p:attrName>
+                                        </p:attrNameLst>
+                                      </p:cBhvr>
+                                      <p:tavLst>
+                                        <p:tav tm="0">
+                                          <p:val>
+                                            <p:strVal val="#ppt_x"/>
+                                          </p:val>
+                                        </p:tav>
+                                        <p:tav tm="100000">
+                                          <p:val>
+                                            <p:strVal val="#ppt_x"/>
+                                          </p:val>
+                                        </p:tav>
+                                      </p:tavLst>
+                                    </p:anim>
+                                    <p:anim calcmode="lin" valueType="num">
+                                      <p:cBhvr additive="base">
+                                        <p:cTn id="8" dur="500" fill="hold"/>
+                                        <p:tgtEl>
+                                          <p:spTgt spid="3">
+                                            <p:txEl>
+                                              <p:pRg st="2" end="2"/>
+                                            </p:txEl>
+                                          </p:spTgt>
+                                        </p:tgtEl>
+                                        <p:attrNameLst>
+                                          <p:attrName>ppt_y</p:attrName>
+                                        </p:attrNameLst>
+                                      </p:cBhvr>
+                                      <p:tavLst>
+                                        <p:tav tm="0">
+                                          <p:val>
+                                            <p:strVal val="1+#ppt_h/2"/>
+                                          </p:val>
+                                        </p:tav>
+                                        <p:tav tm="100000">
+                                          <p:val>
+                                            <p:strVal val="#ppt_y"/>
+                                          </p:val>
+                                        </p:tav>
+                                      </p:tavLst>
+                                    </p:anim>
+                                  </p:childTnLst>
+                                </p:cTn>
+                              </p:par>
+                            </p:childTnLst>
+                          </p:cTn>
+                        </p:par>
+                      </p:childTnLst>
+                    </p:cTn>
+                  </p:par>
+                  <p:par>
+                    <p:cTn id="9" fill="hold">
+                      <p:stCondLst>
+                        <p:cond delay="indefinite"/>
+                      </p:stCondLst>
+                      <p:childTnLst>
+                        <p:par>
+                          <p:cTn id="10" fill="hold">
+                            <p:stCondLst>
+                              <p:cond delay="0"/>
+                            </p:stCondLst>
+                            <p:childTnLst>
+                              <p:par>
+                                <p:cTn id="11" presetID="2" presetClass="entr" presetSubtype="4" fill="hold" nodeType="clickEffect">
+                                  <p:stCondLst>
+                                    <p:cond delay="0"/>
+                                  </p:stCondLst>
+                                  <p:childTnLst>
+                                    <p:set>
+                                      <p:cBhvr>
+                                        <p:cTn id="12" dur="1" fill="hold">
+                                          <p:stCondLst>
+                                            <p:cond delay="0"/>
+                                          </p:stCondLst>
+                                        </p:cTn>
+                                        <p:tgtEl>
+                                          <p:spTgt spid="3">
+                                            <p:txEl>
+                                              <p:pRg st="4" end="4"/>
+                                            </p:txEl>
+                                          </p:spTgt>
+                                        </p:tgtEl>
+                                        <p:attrNameLst>
+                                          <p:attrName>style.visibility</p:attrName>
+                                        </p:attrNameLst>
+                                      </p:cBhvr>
+                                      <p:to>
+                                        <p:strVal val="visible"/>
+                                      </p:to>
+                                    </p:set>
+                                    <p:anim calcmode="lin" valueType="num">
+                                      <p:cBhvr additive="base">
+                                        <p:cTn id="13" dur="500" fill="hold"/>
+                                        <p:tgtEl>
+                                          <p:spTgt spid="3">
+                                            <p:txEl>
+                                              <p:pRg st="4" end="4"/>
+                                            </p:txEl>
+                                          </p:spTgt>
+                                        </p:tgtEl>
+                                        <p:attrNameLst>
+                                          <p:attrName>ppt_x</p:attrName>
+                                        </p:attrNameLst>
+                                      </p:cBhvr>
+                                      <p:tavLst>
+                                        <p:tav tm="0">
+                                          <p:val>
+                                            <p:strVal val="#ppt_x"/>
+                                          </p:val>
+                                        </p:tav>
+                                        <p:tav tm="100000">
+                                          <p:val>
+                                            <p:strVal val="#ppt_x"/>
+                                          </p:val>
+                                        </p:tav>
+                                      </p:tavLst>
+                                    </p:anim>
+                                    <p:anim calcmode="lin" valueType="num">
+                                      <p:cBhvr additive="base">
+                                        <p:cTn id="14" dur="500" fill="hold"/>
+                                        <p:tgtEl>
+                                          <p:spTgt spid="3">
+                                            <p:txEl>
+                                              <p:pRg st="4" end="4"/>
+                                            </p:txEl>
+                                          </p:spTgt>
+                                        </p:tgtEl>
+                                        <p:attrNameLst>
+                                          <p:attrName>ppt_y</p:attrName>
+                                        </p:attrNameLst>
+                                      </p:cBhvr>
+                                      <p:tavLst>
+                                        <p:tav tm="0">
+                                          <p:val>
+                                            <p:strVal val="1+#ppt_h/2"/>
+                                          </p:val>
+                                        </p:tav>
+                                        <p:tav tm="100000">
+                                          <p:val>
+                                            <p:strVal val="#ppt_y"/>
+                                          </p:val>
+                                        </p:tav>
+                                      </p:tavLst>
+                                    </p:anim>
+                                  </p:childTnLst>
+                                </p:cTn>
+                              </p:par>
+                              <p:par>
+                                <p:cTn id="15" presetID="2" presetClass="entr" presetSubtype="4" fill="hold" nodeType="withEffect">
+                                  <p:stCondLst>
+                                    <p:cond delay="0"/>
+                                  </p:stCondLst>
+                                  <p:childTnLst>
+                                    <p:set>
+                                      <p:cBhvr>
+                                        <p:cTn id="16" dur="1" fill="hold">
+                                          <p:stCondLst>
+                                            <p:cond delay="0"/>
+                                          </p:stCondLst>
+                                        </p:cTn>
+                                        <p:tgtEl>
+                                          <p:spTgt spid="3">
+                                            <p:txEl>
+                                              <p:pRg st="5" end="5"/>
+                                            </p:txEl>
+                                          </p:spTgt>
+                                        </p:tgtEl>
+                                        <p:attrNameLst>
+                                          <p:attrName>style.visibility</p:attrName>
+                                        </p:attrNameLst>
+                                      </p:cBhvr>
+                                      <p:to>
+                                        <p:strVal val="visible"/>
+                                      </p:to>
+                                    </p:set>
+                                    <p:anim calcmode="lin" valueType="num">
+                                      <p:cBhvr additive="base">
+                                        <p:cTn id="17" dur="500" fill="hold"/>
+                                        <p:tgtEl>
+                                          <p:spTgt spid="3">
+                                            <p:txEl>
+                                              <p:pRg st="5" end="5"/>
+                                            </p:txEl>
+                                          </p:spTgt>
+                                        </p:tgtEl>
+                                        <p:attrNameLst>
+                                          <p:attrName>ppt_x</p:attrName>
+                                        </p:attrNameLst>
+                                      </p:cBhvr>
+                                      <p:tavLst>
+                                        <p:tav tm="0">
+                                          <p:val>
+                                            <p:strVal val="#ppt_x"/>
+                                          </p:val>
+                                        </p:tav>
+                                        <p:tav tm="100000">
+                                          <p:val>
+                                            <p:strVal val="#ppt_x"/>
+                                          </p:val>
+                                        </p:tav>
+                                      </p:tavLst>
+                                    </p:anim>
+                                    <p:anim calcmode="lin" valueType="num">
+                                      <p:cBhvr additive="base">
+                                        <p:cTn id="18" dur="500" fill="hold"/>
+                                        <p:tgtEl>
+                                          <p:spTgt spid="3">
+                                            <p:txEl>
+                                              <p:pRg st="5" end="5"/>
+                                            </p:txEl>
+                                          </p:spTgt>
+                                        </p:tgtEl>
+                                        <p:attrNameLst>
+                                          <p:attrName>ppt_y</p:attrName>
+                                        </p:attrNameLst>
+                                      </p:cBhvr>
+                                      <p:tavLst>
+                                        <p:tav tm="0">
+                                          <p:val>
+                                            <p:strVal val="1+#ppt_h/2"/>
+                                          </p:val>
+                                        </p:tav>
+                                        <p:tav tm="100000">
+                                          <p:val>
+                                            <p:strVal val="#ppt_y"/>
+                                          </p:val>
+                                        </p:tav>
+                                      </p:tavLst>
+                                    </p:anim>
+                                  </p:childTnLst>
+                                </p:cTn>
+                              </p:par>
+                            </p:childTnLst>
+                          </p:cTn>
+                        </p:par>
+                      </p:childTnLst>
+                    </p:cTn>
+                  </p:par>
+                  <p:par>
+                    <p:cTn id="19" fill="hold">
+                      <p:stCondLst>
+                        <p:cond delay="indefinite"/>
+                      </p:stCondLst>
+                      <p:childTnLst>
+                        <p:par>
+                          <p:cTn id="20" fill="hold">
+                            <p:stCondLst>
+                              <p:cond delay="0"/>
+                            </p:stCondLst>
+                            <p:childTnLst>
+                              <p:par>
+                                <p:cTn id="21" presetID="2" presetClass="entr" presetSubtype="4" fill="hold" nodeType="clickEffect">
+                                  <p:stCondLst>
+                                    <p:cond delay="0"/>
+                                  </p:stCondLst>
+                                  <p:childTnLst>
+                                    <p:set>
+                                      <p:cBhvr>
+                                        <p:cTn id="22" dur="1" fill="hold">
+                                          <p:stCondLst>
+                                            <p:cond delay="0"/>
+                                          </p:stCondLst>
+                                        </p:cTn>
+                                        <p:tgtEl>
+                                          <p:spTgt spid="3">
+                                            <p:txEl>
+                                              <p:pRg st="7" end="7"/>
+                                            </p:txEl>
+                                          </p:spTgt>
+                                        </p:tgtEl>
+                                        <p:attrNameLst>
+                                          <p:attrName>style.visibility</p:attrName>
+                                        </p:attrNameLst>
+                                      </p:cBhvr>
+                                      <p:to>
+                                        <p:strVal val="visible"/>
+                                      </p:to>
+                                    </p:set>
+                                    <p:anim calcmode="lin" valueType="num">
+                                      <p:cBhvr additive="base">
+                                        <p:cTn id="23" dur="500" fill="hold"/>
+                                        <p:tgtEl>
+                                          <p:spTgt spid="3">
+                                            <p:txEl>
+                                              <p:pRg st="7" end="7"/>
+                                            </p:txEl>
+                                          </p:spTgt>
+                                        </p:tgtEl>
+                                        <p:attrNameLst>
+                                          <p:attrName>ppt_x</p:attrName>
+                                        </p:attrNameLst>
+                                      </p:cBhvr>
+                                      <p:tavLst>
+                                        <p:tav tm="0">
+                                          <p:val>
+                                            <p:strVal val="#ppt_x"/>
+                                          </p:val>
+                                        </p:tav>
+                                        <p:tav tm="100000">
+                                          <p:val>
+                                            <p:strVal val="#ppt_x"/>
+                                          </p:val>
+                                        </p:tav>
+                                      </p:tavLst>
+                                    </p:anim>
+                                    <p:anim calcmode="lin" valueType="num">
+                                      <p:cBhvr additive="base">
+                                        <p:cTn id="24" dur="500" fill="hold"/>
+                                        <p:tgtEl>
+                                          <p:spTgt spid="3">
+                                            <p:txEl>
+                                              <p:pRg st="7" end="7"/>
+                                            </p:txEl>
+                                          </p:spTgt>
+                                        </p:tgtEl>
+                                        <p:attrNameLst>
+                                          <p:attrName>ppt_y</p:attrName>
+                                        </p:attrNameLst>
+                                      </p:cBhvr>
+                                      <p:tavLst>
+                                        <p:tav tm="0">
+                                          <p:val>
+                                            <p:strVal val="1+#ppt_h/2"/>
+                                          </p:val>
+                                        </p:tav>
+                                        <p:tav tm="100000">
+                                          <p:val>
+                                            <p:strVal val="#ppt_y"/>
+                                          </p:val>
+                                        </p:tav>
+                                      </p:tavLst>
+                                    </p:anim>
+                                  </p:childTnLst>
+                                </p:cTn>
+                              </p:par>
+                            </p:childTnLst>
+                          </p:cTn>
+                        </p:par>
+                      </p:childTnLst>
+                    </p:cTn>
+                  </p:par>
+                </p:childTnLst>
+              </p:cTn>
+              <p:prevCondLst>
+                <p:cond evt="onPrev" delay="0">
+                  <p:tgtEl>
+                    <p:sldTgt/>
+                  </p:tgtEl>
+                </p:cond>
+              </p:prevCondLst>
+              <p:nextCondLst>
+                <p:cond evt="onNext" delay="0">
+                  <p:tgtEl>
+                    <p:sldTgt/>
+                  </p:tgtEl>
+                </p:cond>
+              </p:nextCondLst>
+            </p:seq>
+          </p:childTnLst>
+        </p:cTn>
+      </p:par>
+    </p:tnLst>
+  </p:timing>
 </p:sld>
 </file>
 

--- a/course_material/week_15/week_15_presentation.pptx
+++ b/course_material/week_15/week_15_presentation.pptx
@@ -4632,7 +4632,7 @@
           <a:p>
             <a:fld id="{5CF9EFDB-215C-4120-ADCB-EAD745B7163E}" type="datetimeFigureOut">
               <a:rPr lang="en-US" smtClean="0"/>
-              <a:t>12/18/2021</a:t>
+              <a:t>12/23/2021</a:t>
             </a:fld>
             <a:endParaRPr lang="en-US"/>
           </a:p>
@@ -5690,7 +5690,7 @@
           <a:p>
             <a:fld id="{ACF1A1B0-862D-4909-A7DB-D8ADA062DFCA}" type="datetimeFigureOut">
               <a:rPr lang="en-US" dirty="0"/>
-              <a:t>12/18/2021</a:t>
+              <a:t>12/23/2021</a:t>
             </a:fld>
             <a:endParaRPr lang="en-US"/>
           </a:p>
@@ -5913,7 +5913,7 @@
           <a:p>
             <a:fld id="{7B156144-9CB7-4E3A-B87E-A382F9BE05EF}" type="datetimeFigureOut">
               <a:rPr lang="en-US" dirty="0"/>
-              <a:t>12/18/2021</a:t>
+              <a:t>12/23/2021</a:t>
             </a:fld>
             <a:endParaRPr lang="en-US"/>
           </a:p>
@@ -6091,7 +6091,7 @@
           <a:p>
             <a:fld id="{2643D55F-46AB-4791-9172-4FA8DD3A6A9C}" type="datetimeFigureOut">
               <a:rPr lang="en-US" dirty="0"/>
-              <a:t>12/18/2021</a:t>
+              <a:t>12/23/2021</a:t>
             </a:fld>
             <a:endParaRPr lang="en-US"/>
           </a:p>
@@ -6259,7 +6259,7 @@
           <a:p>
             <a:fld id="{58026881-8A08-449C-8D73-E5F201F814C1}" type="datetimeFigureOut">
               <a:rPr lang="en-US" dirty="0"/>
-              <a:t>12/18/2021</a:t>
+              <a:t>12/23/2021</a:t>
             </a:fld>
             <a:endParaRPr lang="en-US"/>
           </a:p>
@@ -6549,7 +6549,7 @@
           <a:p>
             <a:fld id="{1BEB5A5E-0C07-4E93-A112-D37B4D166B30}" type="datetimeFigureOut">
               <a:rPr lang="en-US" dirty="0"/>
-              <a:t>12/18/2021</a:t>
+              <a:t>12/23/2021</a:t>
             </a:fld>
             <a:endParaRPr lang="en-US"/>
           </a:p>
@@ -6872,7 +6872,7 @@
           <a:p>
             <a:fld id="{9E1F71C5-DC57-4358-A1EA-30C08AF6E3C5}" type="datetimeFigureOut">
               <a:rPr lang="en-US" dirty="0"/>
-              <a:t>12/18/2021</a:t>
+              <a:t>12/23/2021</a:t>
             </a:fld>
             <a:endParaRPr lang="en-US"/>
           </a:p>
@@ -7281,7 +7281,7 @@
           <a:p>
             <a:fld id="{12571DBA-DE60-4731-B773-47AAA185C143}" type="datetimeFigureOut">
               <a:rPr lang="en-US" dirty="0"/>
-              <a:t>12/18/2021</a:t>
+              <a:t>12/23/2021</a:t>
             </a:fld>
             <a:endParaRPr lang="en-US"/>
           </a:p>
@@ -7398,7 +7398,7 @@
           <a:p>
             <a:fld id="{4F170639-886C-4FCF-9EAB-ABB5DA3F3F4A}" type="datetimeFigureOut">
               <a:rPr lang="en-US" dirty="0"/>
-              <a:t>12/18/2021</a:t>
+              <a:t>12/23/2021</a:t>
             </a:fld>
             <a:endParaRPr lang="en-US"/>
           </a:p>
@@ -7493,7 +7493,7 @@
           <a:p>
             <a:fld id="{34C4A628-C83B-4C66-83F4-1711CE3738FD}" type="datetimeFigureOut">
               <a:rPr lang="en-US" dirty="0"/>
-              <a:t>12/18/2021</a:t>
+              <a:t>12/23/2021</a:t>
             </a:fld>
             <a:endParaRPr lang="en-US"/>
           </a:p>
@@ -7778,7 +7778,7 @@
           <a:p>
             <a:fld id="{B88C1D73-9400-43CA-A37F-F9B7D00DE14C}" type="datetimeFigureOut">
               <a:rPr lang="en-US" dirty="0"/>
-              <a:t>12/18/2021</a:t>
+              <a:t>12/23/2021</a:t>
             </a:fld>
             <a:endParaRPr lang="en-US"/>
           </a:p>
@@ -8050,7 +8050,7 @@
           <a:p>
             <a:fld id="{188B7711-B905-4633-B4D7-6F3A49A2E7D9}" type="datetimeFigureOut">
               <a:rPr lang="en-US" dirty="0"/>
-              <a:t>12/18/2021</a:t>
+              <a:t>12/23/2021</a:t>
             </a:fld>
             <a:endParaRPr lang="en-US"/>
           </a:p>
@@ -8300,7 +8300,7 @@
             <a:fld id="{89C235CF-BDA2-4E7E-8BBD-350479985E74}" type="datetimeFigureOut">
               <a:rPr lang="en-US" dirty="0"/>
               <a:pPr/>
-              <a:t>12/18/2021</a:t>
+              <a:t>12/23/2021</a:t>
             </a:fld>
             <a:endParaRPr lang="en-US"/>
           </a:p>
@@ -9435,7 +9435,7 @@
           <a:p>
             <a:r>
               <a:rPr lang="en-US" dirty="0"/>
-              <a:t>Review Homework ( 20 mins)</a:t>
+              <a:t>Review Homework ( 15 mins)</a:t>
             </a:r>
           </a:p>
           <a:p>
@@ -9461,7 +9461,15 @@
           <a:p>
             <a:r>
               <a:rPr lang="en-US" dirty="0"/>
-              <a:t>Intro to Support Vector Machines (20 mins) </a:t>
+              <a:t>Intro to Support Vector Machines </a:t>
+            </a:r>
+            <a:r>
+              <a:rPr lang="en-US"/>
+              <a:t>(25 </a:t>
+            </a:r>
+            <a:r>
+              <a:rPr lang="en-US" dirty="0"/>
+              <a:t>mins) </a:t>
             </a:r>
           </a:p>
           <a:p>

--- a/course_material/week_15/week_15_presentation.pptx
+++ b/course_material/week_15/week_15_presentation.pptx
@@ -5,20 +5,21 @@
     <p:sldMasterId id="2147483696" r:id="rId1"/>
   </p:sldMasterIdLst>
   <p:notesMasterIdLst>
-    <p:notesMasterId r:id="rId13"/>
+    <p:notesMasterId r:id="rId14"/>
   </p:notesMasterIdLst>
   <p:sldIdLst>
     <p:sldId id="256" r:id="rId2"/>
     <p:sldId id="274" r:id="rId3"/>
     <p:sldId id="259" r:id="rId4"/>
-    <p:sldId id="312" r:id="rId5"/>
-    <p:sldId id="316" r:id="rId6"/>
-    <p:sldId id="311" r:id="rId7"/>
-    <p:sldId id="313" r:id="rId8"/>
-    <p:sldId id="314" r:id="rId9"/>
-    <p:sldId id="317" r:id="rId10"/>
-    <p:sldId id="315" r:id="rId11"/>
-    <p:sldId id="271" r:id="rId12"/>
+    <p:sldId id="318" r:id="rId5"/>
+    <p:sldId id="312" r:id="rId6"/>
+    <p:sldId id="316" r:id="rId7"/>
+    <p:sldId id="311" r:id="rId8"/>
+    <p:sldId id="313" r:id="rId9"/>
+    <p:sldId id="314" r:id="rId10"/>
+    <p:sldId id="317" r:id="rId11"/>
+    <p:sldId id="315" r:id="rId12"/>
+    <p:sldId id="271" r:id="rId13"/>
   </p:sldIdLst>
   <p:sldSz cx="12192000" cy="6858000"/>
   <p:notesSz cx="6858000" cy="9144000"/>
@@ -4632,7 +4633,7 @@
           <a:p>
             <a:fld id="{5CF9EFDB-215C-4120-ADCB-EAD745B7163E}" type="datetimeFigureOut">
               <a:rPr lang="en-US" smtClean="0"/>
-              <a:t>12/23/2021</a:t>
+              <a:t>1/5/2022</a:t>
             </a:fld>
             <a:endParaRPr lang="en-US"/>
           </a:p>
@@ -5135,7 +5136,7 @@
           <a:p>
             <a:fld id="{791F1524-C5FD-4370-8A10-5BE52A97A495}" type="slidenum">
               <a:rPr lang="en-US" smtClean="0"/>
-              <a:t>5</a:t>
+              <a:t>6</a:t>
             </a:fld>
             <a:endParaRPr lang="en-US"/>
           </a:p>
@@ -5222,7 +5223,7 @@
           <a:p>
             <a:fld id="{791F1524-C5FD-4370-8A10-5BE52A97A495}" type="slidenum">
               <a:rPr lang="en-US" smtClean="0"/>
-              <a:t>7</a:t>
+              <a:t>8</a:t>
             </a:fld>
             <a:endParaRPr lang="en-US"/>
           </a:p>
@@ -5306,7 +5307,7 @@
           <a:p>
             <a:fld id="{791F1524-C5FD-4370-8A10-5BE52A97A495}" type="slidenum">
               <a:rPr lang="en-US" smtClean="0"/>
-              <a:t>9</a:t>
+              <a:t>10</a:t>
             </a:fld>
             <a:endParaRPr lang="en-US"/>
           </a:p>
@@ -5393,7 +5394,7 @@
           <a:p>
             <a:fld id="{791F1524-C5FD-4370-8A10-5BE52A97A495}" type="slidenum">
               <a:rPr lang="en-US" smtClean="0"/>
-              <a:t>10</a:t>
+              <a:t>11</a:t>
             </a:fld>
             <a:endParaRPr lang="en-US"/>
           </a:p>
@@ -5477,7 +5478,7 @@
           <a:p>
             <a:fld id="{791F1524-C5FD-4370-8A10-5BE52A97A495}" type="slidenum">
               <a:rPr lang="en-US" smtClean="0"/>
-              <a:t>11</a:t>
+              <a:t>12</a:t>
             </a:fld>
             <a:endParaRPr lang="en-US"/>
           </a:p>
@@ -5690,7 +5691,7 @@
           <a:p>
             <a:fld id="{ACF1A1B0-862D-4909-A7DB-D8ADA062DFCA}" type="datetimeFigureOut">
               <a:rPr lang="en-US" dirty="0"/>
-              <a:t>12/23/2021</a:t>
+              <a:t>1/5/2022</a:t>
             </a:fld>
             <a:endParaRPr lang="en-US"/>
           </a:p>
@@ -5913,7 +5914,7 @@
           <a:p>
             <a:fld id="{7B156144-9CB7-4E3A-B87E-A382F9BE05EF}" type="datetimeFigureOut">
               <a:rPr lang="en-US" dirty="0"/>
-              <a:t>12/23/2021</a:t>
+              <a:t>1/5/2022</a:t>
             </a:fld>
             <a:endParaRPr lang="en-US"/>
           </a:p>
@@ -6091,7 +6092,7 @@
           <a:p>
             <a:fld id="{2643D55F-46AB-4791-9172-4FA8DD3A6A9C}" type="datetimeFigureOut">
               <a:rPr lang="en-US" dirty="0"/>
-              <a:t>12/23/2021</a:t>
+              <a:t>1/5/2022</a:t>
             </a:fld>
             <a:endParaRPr lang="en-US"/>
           </a:p>
@@ -6259,7 +6260,7 @@
           <a:p>
             <a:fld id="{58026881-8A08-449C-8D73-E5F201F814C1}" type="datetimeFigureOut">
               <a:rPr lang="en-US" dirty="0"/>
-              <a:t>12/23/2021</a:t>
+              <a:t>1/5/2022</a:t>
             </a:fld>
             <a:endParaRPr lang="en-US"/>
           </a:p>
@@ -6549,7 +6550,7 @@
           <a:p>
             <a:fld id="{1BEB5A5E-0C07-4E93-A112-D37B4D166B30}" type="datetimeFigureOut">
               <a:rPr lang="en-US" dirty="0"/>
-              <a:t>12/23/2021</a:t>
+              <a:t>1/5/2022</a:t>
             </a:fld>
             <a:endParaRPr lang="en-US"/>
           </a:p>
@@ -6872,7 +6873,7 @@
           <a:p>
             <a:fld id="{9E1F71C5-DC57-4358-A1EA-30C08AF6E3C5}" type="datetimeFigureOut">
               <a:rPr lang="en-US" dirty="0"/>
-              <a:t>12/23/2021</a:t>
+              <a:t>1/5/2022</a:t>
             </a:fld>
             <a:endParaRPr lang="en-US"/>
           </a:p>
@@ -7281,7 +7282,7 @@
           <a:p>
             <a:fld id="{12571DBA-DE60-4731-B773-47AAA185C143}" type="datetimeFigureOut">
               <a:rPr lang="en-US" dirty="0"/>
-              <a:t>12/23/2021</a:t>
+              <a:t>1/5/2022</a:t>
             </a:fld>
             <a:endParaRPr lang="en-US"/>
           </a:p>
@@ -7398,7 +7399,7 @@
           <a:p>
             <a:fld id="{4F170639-886C-4FCF-9EAB-ABB5DA3F3F4A}" type="datetimeFigureOut">
               <a:rPr lang="en-US" dirty="0"/>
-              <a:t>12/23/2021</a:t>
+              <a:t>1/5/2022</a:t>
             </a:fld>
             <a:endParaRPr lang="en-US"/>
           </a:p>
@@ -7493,7 +7494,7 @@
           <a:p>
             <a:fld id="{34C4A628-C83B-4C66-83F4-1711CE3738FD}" type="datetimeFigureOut">
               <a:rPr lang="en-US" dirty="0"/>
-              <a:t>12/23/2021</a:t>
+              <a:t>1/5/2022</a:t>
             </a:fld>
             <a:endParaRPr lang="en-US"/>
           </a:p>
@@ -7778,7 +7779,7 @@
           <a:p>
             <a:fld id="{B88C1D73-9400-43CA-A37F-F9B7D00DE14C}" type="datetimeFigureOut">
               <a:rPr lang="en-US" dirty="0"/>
-              <a:t>12/23/2021</a:t>
+              <a:t>1/5/2022</a:t>
             </a:fld>
             <a:endParaRPr lang="en-US"/>
           </a:p>
@@ -8050,7 +8051,7 @@
           <a:p>
             <a:fld id="{188B7711-B905-4633-B4D7-6F3A49A2E7D9}" type="datetimeFigureOut">
               <a:rPr lang="en-US" dirty="0"/>
-              <a:t>12/23/2021</a:t>
+              <a:t>1/5/2022</a:t>
             </a:fld>
             <a:endParaRPr lang="en-US"/>
           </a:p>
@@ -8300,7 +8301,7 @@
             <a:fld id="{89C235CF-BDA2-4E7E-8BBD-350479985E74}" type="datetimeFigureOut">
               <a:rPr lang="en-US" dirty="0"/>
               <a:pPr/>
-              <a:t>12/23/2021</a:t>
+              <a:t>1/5/2022</a:t>
             </a:fld>
             <a:endParaRPr lang="en-US"/>
           </a:p>
@@ -8847,6 +8848,133 @@
 <file path=ppt/slides/slide10.xml><?xml version="1.0" encoding="utf-8"?>
 <p:sld xmlns:a="http://schemas.openxmlformats.org/drawingml/2006/main" xmlns:r="http://schemas.openxmlformats.org/officeDocument/2006/relationships" xmlns:p="http://schemas.openxmlformats.org/presentationml/2006/main">
   <p:cSld>
+    <p:spTree>
+      <p:nvGrpSpPr>
+        <p:cNvPr id="1" name=""/>
+        <p:cNvGrpSpPr/>
+        <p:nvPr/>
+      </p:nvGrpSpPr>
+      <p:grpSpPr>
+        <a:xfrm>
+          <a:off x="0" y="0"/>
+          <a:ext cx="0" cy="0"/>
+          <a:chOff x="0" y="0"/>
+          <a:chExt cx="0" cy="0"/>
+        </a:xfrm>
+      </p:grpSpPr>
+      <p:sp>
+        <p:nvSpPr>
+          <p:cNvPr id="2" name="Title 1">
+            <a:extLst>
+              <a:ext uri="{FF2B5EF4-FFF2-40B4-BE49-F238E27FC236}">
+                <a16:creationId xmlns:a16="http://schemas.microsoft.com/office/drawing/2014/main" id="{DB7B978E-DF40-456A-BDF1-5DB0D791795C}"/>
+              </a:ext>
+            </a:extLst>
+          </p:cNvPr>
+          <p:cNvSpPr>
+            <a:spLocks noGrp="1"/>
+          </p:cNvSpPr>
+          <p:nvPr>
+            <p:ph type="title"/>
+          </p:nvPr>
+        </p:nvSpPr>
+        <p:spPr/>
+        <p:txBody>
+          <a:bodyPr/>
+          <a:lstStyle/>
+          <a:p>
+            <a:endParaRPr lang="en-US"/>
+          </a:p>
+        </p:txBody>
+      </p:sp>
+      <p:sp>
+        <p:nvSpPr>
+          <p:cNvPr id="3" name="Content Placeholder 2">
+            <a:extLst>
+              <a:ext uri="{FF2B5EF4-FFF2-40B4-BE49-F238E27FC236}">
+                <a16:creationId xmlns:a16="http://schemas.microsoft.com/office/drawing/2014/main" id="{304DCD2D-9BC7-4D70-A988-4BC761F88340}"/>
+              </a:ext>
+            </a:extLst>
+          </p:cNvPr>
+          <p:cNvSpPr>
+            <a:spLocks noGrp="1"/>
+          </p:cNvSpPr>
+          <p:nvPr>
+            <p:ph idx="1"/>
+          </p:nvPr>
+        </p:nvSpPr>
+        <p:spPr/>
+        <p:txBody>
+          <a:bodyPr/>
+          <a:lstStyle/>
+          <a:p>
+            <a:endParaRPr lang="en-US"/>
+          </a:p>
+        </p:txBody>
+      </p:sp>
+      <p:pic>
+        <p:nvPicPr>
+          <p:cNvPr id="2052" name="Picture 4" descr="support vector machines (svm)">
+            <a:extLst>
+              <a:ext uri="{FF2B5EF4-FFF2-40B4-BE49-F238E27FC236}">
+                <a16:creationId xmlns:a16="http://schemas.microsoft.com/office/drawing/2014/main" id="{FF294283-9617-436F-9B41-103270BD0226}"/>
+              </a:ext>
+            </a:extLst>
+          </p:cNvPr>
+          <p:cNvPicPr>
+            <a:picLocks noChangeAspect="1" noChangeArrowheads="1"/>
+          </p:cNvPicPr>
+          <p:nvPr/>
+        </p:nvPicPr>
+        <p:blipFill>
+          <a:blip r:embed="rId3">
+            <a:extLst>
+              <a:ext uri="{28A0092B-C50C-407E-A947-70E740481C1C}">
+                <a14:useLocalDpi xmlns:a14="http://schemas.microsoft.com/office/drawing/2010/main" val="0"/>
+              </a:ext>
+            </a:extLst>
+          </a:blip>
+          <a:srcRect/>
+          <a:stretch>
+            <a:fillRect/>
+          </a:stretch>
+        </p:blipFill>
+        <p:spPr bwMode="auto">
+          <a:xfrm>
+            <a:off x="3429000" y="576263"/>
+            <a:ext cx="5334000" cy="5705475"/>
+          </a:xfrm>
+          <a:prstGeom prst="rect">
+            <a:avLst/>
+          </a:prstGeom>
+          <a:noFill/>
+          <a:extLst>
+            <a:ext uri="{909E8E84-426E-40DD-AFC4-6F175D3DCCD1}">
+              <a14:hiddenFill xmlns:a14="http://schemas.microsoft.com/office/drawing/2010/main">
+                <a:solidFill>
+                  <a:srgbClr val="FFFFFF"/>
+                </a:solidFill>
+              </a14:hiddenFill>
+            </a:ext>
+          </a:extLst>
+        </p:spPr>
+      </p:pic>
+    </p:spTree>
+    <p:extLst>
+      <p:ext uri="{BB962C8B-B14F-4D97-AF65-F5344CB8AC3E}">
+        <p14:creationId xmlns:p14="http://schemas.microsoft.com/office/powerpoint/2010/main" val="3505387037"/>
+      </p:ext>
+    </p:extLst>
+  </p:cSld>
+  <p:clrMapOvr>
+    <a:masterClrMapping/>
+  </p:clrMapOvr>
+</p:sld>
+</file>
+
+<file path=ppt/slides/slide11.xml><?xml version="1.0" encoding="utf-8"?>
+<p:sld xmlns:a="http://schemas.openxmlformats.org/drawingml/2006/main" xmlns:r="http://schemas.openxmlformats.org/officeDocument/2006/relationships" xmlns:p="http://schemas.openxmlformats.org/presentationml/2006/main">
+  <p:cSld>
     <p:bg>
       <p:bgPr>
         <a:solidFill>
@@ -9134,7 +9262,7 @@
 </p:sld>
 </file>
 
-<file path=ppt/slides/slide11.xml><?xml version="1.0" encoding="utf-8"?>
+<file path=ppt/slides/slide12.xml><?xml version="1.0" encoding="utf-8"?>
 <p:sld xmlns:a="http://schemas.openxmlformats.org/drawingml/2006/main" xmlns:r="http://schemas.openxmlformats.org/officeDocument/2006/relationships" xmlns:p="http://schemas.openxmlformats.org/presentationml/2006/main">
   <p:cSld>
     <p:spTree>
@@ -9448,8 +9576,12 @@
               <a:t>Undersampling</a:t>
             </a:r>
             <a:r>
+              <a:rPr lang="en-US"/>
+              <a:t> (40 </a:t>
+            </a:r>
+            <a:r>
               <a:rPr lang="en-US" dirty="0"/>
-              <a:t> (40 mins)</a:t>
+              <a:t>mins)</a:t>
             </a:r>
           </a:p>
           <a:p>
@@ -9461,27 +9593,19 @@
           <a:p>
             <a:r>
               <a:rPr lang="en-US" dirty="0"/>
-              <a:t>Intro to Support Vector Machines </a:t>
+              <a:t>Intro to Support Vector Machines (25 mins) </a:t>
             </a:r>
-            <a:r>
-              <a:rPr lang="en-US"/>
-              <a:t>(25 </a:t>
-            </a:r>
+          </a:p>
+          <a:p>
             <a:r>
               <a:rPr lang="en-US" dirty="0"/>
-              <a:t>mins) </a:t>
+              <a:t>Project 2 group work (20 mins)</a:t>
             </a:r>
           </a:p>
           <a:p>
             <a:r>
               <a:rPr lang="en-US" dirty="0"/>
-              <a:t>Group Exercise (45 mins)</a:t>
-            </a:r>
-          </a:p>
-          <a:p>
-            <a:r>
-              <a:rPr lang="en-US" dirty="0"/>
-              <a:t>Project 2 group work (30 mins)</a:t>
+              <a:t>Group Exercise (50 mins)</a:t>
             </a:r>
           </a:p>
         </p:txBody>
@@ -9500,6 +9624,422 @@
 </file>
 
 <file path=ppt/slides/slide4.xml><?xml version="1.0" encoding="utf-8"?>
+<p:sld xmlns:a="http://schemas.openxmlformats.org/drawingml/2006/main" xmlns:r="http://schemas.openxmlformats.org/officeDocument/2006/relationships" xmlns:p="http://schemas.openxmlformats.org/presentationml/2006/main">
+  <p:cSld>
+    <p:bg>
+      <p:bgPr>
+        <a:solidFill>
+          <a:schemeClr val="bg1"/>
+        </a:solidFill>
+        <a:effectLst/>
+      </p:bgPr>
+    </p:bg>
+    <p:spTree>
+      <p:nvGrpSpPr>
+        <p:cNvPr id="1" name=""/>
+        <p:cNvGrpSpPr/>
+        <p:nvPr/>
+      </p:nvGrpSpPr>
+      <p:grpSpPr>
+        <a:xfrm>
+          <a:off x="0" y="0"/>
+          <a:ext cx="0" cy="0"/>
+          <a:chOff x="0" y="0"/>
+          <a:chExt cx="0" cy="0"/>
+        </a:xfrm>
+      </p:grpSpPr>
+      <p:sp>
+        <p:nvSpPr>
+          <p:cNvPr id="7" name="Rectangle 6">
+            <a:extLst>
+              <a:ext uri="{FF2B5EF4-FFF2-40B4-BE49-F238E27FC236}">
+                <a16:creationId xmlns:a16="http://schemas.microsoft.com/office/drawing/2014/main" id="{100A9A80-E8FE-48ED-A56B-95801B22181A}"/>
+              </a:ext>
+              <a:ext uri="{C183D7F6-B498-43B3-948B-1728B52AA6E4}">
+                <adec:decorative xmlns:adec="http://schemas.microsoft.com/office/drawing/2017/decorative" val="1"/>
+              </a:ext>
+            </a:extLst>
+          </p:cNvPr>
+          <p:cNvSpPr>
+            <a:spLocks noGrp="1" noRot="1" noChangeAspect="1" noMove="1" noResize="1" noEditPoints="1" noAdjustHandles="1" noChangeArrowheads="1" noChangeShapeType="1" noTextEdit="1"/>
+          </p:cNvSpPr>
+          <p:nvPr>
+            <p:extLst>
+              <p:ext uri="{386F3935-93C4-4BCD-93E2-E3B085C9AB24}">
+                <p16:designElem xmlns:p16="http://schemas.microsoft.com/office/powerpoint/2015/main" val="1"/>
+              </p:ext>
+            </p:extLst>
+          </p:nvPr>
+        </p:nvSpPr>
+        <p:spPr>
+          <a:xfrm>
+            <a:off x="11292840" y="0"/>
+            <a:ext cx="914400" cy="6858000"/>
+          </a:xfrm>
+          <a:prstGeom prst="rect">
+            <a:avLst/>
+          </a:prstGeom>
+          <a:solidFill>
+            <a:srgbClr val="303030"/>
+          </a:solidFill>
+          <a:ln>
+            <a:noFill/>
+          </a:ln>
+        </p:spPr>
+        <p:style>
+          <a:lnRef idx="2">
+            <a:schemeClr val="accent1">
+              <a:shade val="50000"/>
+            </a:schemeClr>
+          </a:lnRef>
+          <a:fillRef idx="1">
+            <a:schemeClr val="accent1"/>
+          </a:fillRef>
+          <a:effectRef idx="0">
+            <a:schemeClr val="accent1"/>
+          </a:effectRef>
+          <a:fontRef idx="minor">
+            <a:schemeClr val="lt1"/>
+          </a:fontRef>
+        </p:style>
+      </p:sp>
+      <p:sp>
+        <p:nvSpPr>
+          <p:cNvPr id="9" name="Rectangle 8">
+            <a:extLst>
+              <a:ext uri="{FF2B5EF4-FFF2-40B4-BE49-F238E27FC236}">
+                <a16:creationId xmlns:a16="http://schemas.microsoft.com/office/drawing/2014/main" id="{E85544B9-05BC-4819-A434-90EE49FAF6C0}"/>
+              </a:ext>
+              <a:ext uri="{C183D7F6-B498-43B3-948B-1728B52AA6E4}">
+                <adec:decorative xmlns:adec="http://schemas.microsoft.com/office/drawing/2017/decorative" val="1"/>
+              </a:ext>
+            </a:extLst>
+          </p:cNvPr>
+          <p:cNvSpPr>
+            <a:spLocks noGrp="1" noRot="1" noChangeAspect="1" noMove="1" noResize="1" noEditPoints="1" noAdjustHandles="1" noChangeArrowheads="1" noChangeShapeType="1" noTextEdit="1"/>
+          </p:cNvSpPr>
+          <p:nvPr>
+            <p:extLst>
+              <p:ext uri="{386F3935-93C4-4BCD-93E2-E3B085C9AB24}">
+                <p16:designElem xmlns:p16="http://schemas.microsoft.com/office/powerpoint/2015/main" val="1"/>
+              </p:ext>
+            </p:extLst>
+          </p:nvPr>
+        </p:nvSpPr>
+        <p:spPr>
+          <a:xfrm>
+            <a:off x="0" y="0"/>
+            <a:ext cx="457200" cy="6858000"/>
+          </a:xfrm>
+          <a:prstGeom prst="rect">
+            <a:avLst/>
+          </a:prstGeom>
+          <a:solidFill>
+            <a:srgbClr val="303030"/>
+          </a:solidFill>
+          <a:ln>
+            <a:noFill/>
+          </a:ln>
+        </p:spPr>
+        <p:style>
+          <a:lnRef idx="2">
+            <a:schemeClr val="accent1">
+              <a:shade val="50000"/>
+            </a:schemeClr>
+          </a:lnRef>
+          <a:fillRef idx="1">
+            <a:schemeClr val="accent1"/>
+          </a:fillRef>
+          <a:effectRef idx="0">
+            <a:schemeClr val="accent1"/>
+          </a:effectRef>
+          <a:fontRef idx="minor">
+            <a:schemeClr val="lt1"/>
+          </a:fontRef>
+        </p:style>
+      </p:sp>
+      <p:sp>
+        <p:nvSpPr>
+          <p:cNvPr id="11" name="Rectangle 10">
+            <a:extLst>
+              <a:ext uri="{FF2B5EF4-FFF2-40B4-BE49-F238E27FC236}">
+                <a16:creationId xmlns:a16="http://schemas.microsoft.com/office/drawing/2014/main" id="{3C7ABF58-EC6B-4932-8671-4BAEBDDF5053}"/>
+              </a:ext>
+              <a:ext uri="{C183D7F6-B498-43B3-948B-1728B52AA6E4}">
+                <adec:decorative xmlns:adec="http://schemas.microsoft.com/office/drawing/2017/decorative" val="1"/>
+              </a:ext>
+            </a:extLst>
+          </p:cNvPr>
+          <p:cNvSpPr>
+            <a:spLocks noGrp="1" noRot="1" noChangeAspect="1" noMove="1" noResize="1" noEditPoints="1" noAdjustHandles="1" noChangeArrowheads="1" noChangeShapeType="1" noTextEdit="1"/>
+          </p:cNvSpPr>
+          <p:nvPr>
+            <p:extLst>
+              <p:ext uri="{386F3935-93C4-4BCD-93E2-E3B085C9AB24}">
+                <p16:designElem xmlns:p16="http://schemas.microsoft.com/office/powerpoint/2015/main" val="1"/>
+              </p:ext>
+            </p:extLst>
+          </p:nvPr>
+        </p:nvSpPr>
+        <p:spPr>
+          <a:xfrm>
+            <a:off x="-2" y="-2811"/>
+            <a:ext cx="11292842" cy="5108211"/>
+          </a:xfrm>
+          <a:prstGeom prst="rect">
+            <a:avLst/>
+          </a:prstGeom>
+          <a:solidFill>
+            <a:schemeClr val="accent1">
+              <a:lumMod val="75000"/>
+            </a:schemeClr>
+          </a:solidFill>
+          <a:ln>
+            <a:noFill/>
+          </a:ln>
+        </p:spPr>
+        <p:style>
+          <a:lnRef idx="2">
+            <a:schemeClr val="accent1">
+              <a:shade val="50000"/>
+            </a:schemeClr>
+          </a:lnRef>
+          <a:fillRef idx="1">
+            <a:schemeClr val="accent1"/>
+          </a:fillRef>
+          <a:effectRef idx="0">
+            <a:schemeClr val="accent1"/>
+          </a:effectRef>
+          <a:fontRef idx="minor">
+            <a:schemeClr val="lt1"/>
+          </a:fontRef>
+        </p:style>
+        <p:txBody>
+          <a:bodyPr rtlCol="0" anchor="ctr"/>
+          <a:lstStyle/>
+          <a:p>
+            <a:pPr algn="ctr"/>
+            <a:endParaRPr lang="en-US"/>
+          </a:p>
+        </p:txBody>
+      </p:sp>
+      <p:sp>
+        <p:nvSpPr>
+          <p:cNvPr id="2" name="Title 1">
+            <a:extLst>
+              <a:ext uri="{FF2B5EF4-FFF2-40B4-BE49-F238E27FC236}">
+                <a16:creationId xmlns:a16="http://schemas.microsoft.com/office/drawing/2014/main" id="{A5CBDC2C-50CB-47E2-A98F-6FA1A2770AAA}"/>
+              </a:ext>
+            </a:extLst>
+          </p:cNvPr>
+          <p:cNvSpPr>
+            <a:spLocks noGrp="1"/>
+          </p:cNvSpPr>
+          <p:nvPr>
+            <p:ph type="title"/>
+          </p:nvPr>
+        </p:nvSpPr>
+        <p:spPr>
+          <a:xfrm>
+            <a:off x="1261872" y="368300"/>
+            <a:ext cx="8263128" cy="4470399"/>
+          </a:xfrm>
+          <a:noFill/>
+        </p:spPr>
+        <p:txBody>
+          <a:bodyPr vert="horz" lIns="91440" tIns="45720" rIns="91440" bIns="45720" rtlCol="0" anchor="ctr">
+            <a:normAutofit/>
+          </a:bodyPr>
+          <a:lstStyle/>
+          <a:p>
+            <a:pPr>
+              <a:lnSpc>
+                <a:spcPct val="85000"/>
+              </a:lnSpc>
+            </a:pPr>
+            <a:r>
+              <a:rPr lang="en-US" sz="5400" dirty="0">
+                <a:solidFill>
+                  <a:srgbClr val="FFFFFF"/>
+                </a:solidFill>
+              </a:rPr>
+              <a:t>Why is it so important to train/test split the data for a </a:t>
+            </a:r>
+            <a:r>
+              <a:rPr lang="en-US" sz="5400">
+                <a:solidFill>
+                  <a:srgbClr val="FFFFFF"/>
+                </a:solidFill>
+              </a:rPr>
+              <a:t>supervised learning model?</a:t>
+            </a:r>
+          </a:p>
+        </p:txBody>
+      </p:sp>
+      <p:sp>
+        <p:nvSpPr>
+          <p:cNvPr id="13" name="Rectangle 12">
+            <a:extLst>
+              <a:ext uri="{FF2B5EF4-FFF2-40B4-BE49-F238E27FC236}">
+                <a16:creationId xmlns:a16="http://schemas.microsoft.com/office/drawing/2014/main" id="{EB868EAF-CD67-49A7-8A32-BBC0EA412C4C}"/>
+              </a:ext>
+              <a:ext uri="{C183D7F6-B498-43B3-948B-1728B52AA6E4}">
+                <adec:decorative xmlns:adec="http://schemas.microsoft.com/office/drawing/2017/decorative" val="1"/>
+              </a:ext>
+            </a:extLst>
+          </p:cNvPr>
+          <p:cNvSpPr>
+            <a:spLocks noGrp="1" noRot="1" noChangeAspect="1" noMove="1" noResize="1" noEditPoints="1" noAdjustHandles="1" noChangeArrowheads="1" noChangeShapeType="1" noTextEdit="1"/>
+          </p:cNvSpPr>
+          <p:nvPr>
+            <p:extLst>
+              <p:ext uri="{386F3935-93C4-4BCD-93E2-E3B085C9AB24}">
+                <p16:designElem xmlns:p16="http://schemas.microsoft.com/office/powerpoint/2015/main" val="1"/>
+              </p:ext>
+            </p:extLst>
+          </p:nvPr>
+        </p:nvSpPr>
+        <p:spPr>
+          <a:xfrm>
+            <a:off x="0" y="5105400"/>
+            <a:ext cx="11292840" cy="1752600"/>
+          </a:xfrm>
+          <a:prstGeom prst="rect">
+            <a:avLst/>
+          </a:prstGeom>
+          <a:solidFill>
+            <a:schemeClr val="bg1">
+              <a:lumMod val="75000"/>
+              <a:lumOff val="25000"/>
+            </a:schemeClr>
+          </a:solidFill>
+          <a:ln>
+            <a:noFill/>
+          </a:ln>
+        </p:spPr>
+        <p:style>
+          <a:lnRef idx="2">
+            <a:schemeClr val="accent1">
+              <a:shade val="50000"/>
+            </a:schemeClr>
+          </a:lnRef>
+          <a:fillRef idx="1">
+            <a:schemeClr val="accent1"/>
+          </a:fillRef>
+          <a:effectRef idx="0">
+            <a:schemeClr val="accent1"/>
+          </a:effectRef>
+          <a:fontRef idx="minor">
+            <a:schemeClr val="lt1"/>
+          </a:fontRef>
+        </p:style>
+      </p:sp>
+    </p:spTree>
+    <p:extLst>
+      <p:ext uri="{BB962C8B-B14F-4D97-AF65-F5344CB8AC3E}">
+        <p14:creationId xmlns:p14="http://schemas.microsoft.com/office/powerpoint/2010/main" val="2167915199"/>
+      </p:ext>
+    </p:extLst>
+  </p:cSld>
+  <p:clrMapOvr>
+    <a:masterClrMapping/>
+  </p:clrMapOvr>
+  <p:timing>
+    <p:tnLst>
+      <p:par>
+        <p:cTn id="1" dur="indefinite" restart="never" nodeType="tmRoot">
+          <p:childTnLst>
+            <p:seq concurrent="1" nextAc="seek">
+              <p:cTn id="2" dur="indefinite" nodeType="mainSeq">
+                <p:childTnLst>
+                  <p:par>
+                    <p:cTn id="3" fill="hold">
+                      <p:stCondLst>
+                        <p:cond delay="indefinite"/>
+                        <p:cond evt="onBegin" delay="0">
+                          <p:tn val="2"/>
+                        </p:cond>
+                      </p:stCondLst>
+                      <p:childTnLst>
+                        <p:par>
+                          <p:cTn id="4" fill="hold">
+                            <p:stCondLst>
+                              <p:cond delay="0"/>
+                            </p:stCondLst>
+                            <p:childTnLst>
+                              <p:par>
+                                <p:cTn id="5" presetID="10" presetClass="entr" presetSubtype="0" fill="hold" grpId="0" nodeType="withEffect">
+                                  <p:stCondLst>
+                                    <p:cond delay="500"/>
+                                  </p:stCondLst>
+                                  <p:iterate type="lt">
+                                    <p:tmPct val="10000"/>
+                                  </p:iterate>
+                                  <p:childTnLst>
+                                    <p:set>
+                                      <p:cBhvr>
+                                        <p:cTn id="6" dur="1" fill="hold">
+                                          <p:stCondLst>
+                                            <p:cond delay="0"/>
+                                          </p:stCondLst>
+                                        </p:cTn>
+                                        <p:tgtEl>
+                                          <p:spTgt spid="2"/>
+                                        </p:tgtEl>
+                                        <p:attrNameLst>
+                                          <p:attrName>style.visibility</p:attrName>
+                                        </p:attrNameLst>
+                                      </p:cBhvr>
+                                      <p:to>
+                                        <p:strVal val="visible"/>
+                                      </p:to>
+                                    </p:set>
+                                    <p:animEffect transition="in" filter="fade">
+                                      <p:cBhvr>
+                                        <p:cTn id="7" dur="400"/>
+                                        <p:tgtEl>
+                                          <p:spTgt spid="2"/>
+                                        </p:tgtEl>
+                                      </p:cBhvr>
+                                    </p:animEffect>
+                                  </p:childTnLst>
+                                </p:cTn>
+                              </p:par>
+                            </p:childTnLst>
+                          </p:cTn>
+                        </p:par>
+                      </p:childTnLst>
+                    </p:cTn>
+                  </p:par>
+                </p:childTnLst>
+              </p:cTn>
+              <p:prevCondLst>
+                <p:cond evt="onPrev" delay="0">
+                  <p:tgtEl>
+                    <p:sldTgt/>
+                  </p:tgtEl>
+                </p:cond>
+              </p:prevCondLst>
+              <p:nextCondLst>
+                <p:cond evt="onNext" delay="0">
+                  <p:tgtEl>
+                    <p:sldTgt/>
+                  </p:tgtEl>
+                </p:cond>
+              </p:nextCondLst>
+            </p:seq>
+          </p:childTnLst>
+        </p:cTn>
+      </p:par>
+    </p:tnLst>
+    <p:bldLst>
+      <p:bldP spid="2" grpId="0"/>
+    </p:bldLst>
+  </p:timing>
+</p:sld>
+</file>
+
+<file path=ppt/slides/slide5.xml><?xml version="1.0" encoding="utf-8"?>
 <p:sld xmlns:a="http://schemas.openxmlformats.org/drawingml/2006/main" xmlns:r="http://schemas.openxmlformats.org/officeDocument/2006/relationships" xmlns:p="http://schemas.openxmlformats.org/presentationml/2006/main">
   <p:cSld>
     <p:spTree>
@@ -10053,7 +10593,7 @@
 </p:sld>
 </file>
 
-<file path=ppt/slides/slide5.xml><?xml version="1.0" encoding="utf-8"?>
+<file path=ppt/slides/slide6.xml><?xml version="1.0" encoding="utf-8"?>
 <p:sld xmlns:a="http://schemas.openxmlformats.org/drawingml/2006/main" xmlns:r="http://schemas.openxmlformats.org/officeDocument/2006/relationships" xmlns:p="http://schemas.openxmlformats.org/presentationml/2006/main">
   <p:cSld>
     <p:bg>
@@ -10362,7 +10902,7 @@
 </p:sld>
 </file>
 
-<file path=ppt/slides/slide6.xml><?xml version="1.0" encoding="utf-8"?>
+<file path=ppt/slides/slide7.xml><?xml version="1.0" encoding="utf-8"?>
 <p:sld xmlns:a="http://schemas.openxmlformats.org/drawingml/2006/main" xmlns:r="http://schemas.openxmlformats.org/officeDocument/2006/relationships" xmlns:p="http://schemas.openxmlformats.org/presentationml/2006/main">
   <p:cSld>
     <p:spTree>
@@ -10479,7 +11019,7 @@
 </p:sld>
 </file>
 
-<file path=ppt/slides/slide7.xml><?xml version="1.0" encoding="utf-8"?>
+<file path=ppt/slides/slide8.xml><?xml version="1.0" encoding="utf-8"?>
 <p:sld xmlns:a="http://schemas.openxmlformats.org/drawingml/2006/main" xmlns:r="http://schemas.openxmlformats.org/officeDocument/2006/relationships" xmlns:p="http://schemas.openxmlformats.org/presentationml/2006/main">
   <p:cSld>
     <p:bg>
@@ -10650,7 +11190,7 @@
 </p:sld>
 </file>
 
-<file path=ppt/slides/slide8.xml><?xml version="1.0" encoding="utf-8"?>
+<file path=ppt/slides/slide9.xml><?xml version="1.0" encoding="utf-8"?>
 <p:sld xmlns:a="http://schemas.openxmlformats.org/drawingml/2006/main" xmlns:r="http://schemas.openxmlformats.org/officeDocument/2006/relationships" xmlns:p="http://schemas.openxmlformats.org/presentationml/2006/main">
   <p:cSld>
     <p:spTree>
@@ -10768,133 +11308,6 @@
     <p:extLst>
       <p:ext uri="{BB962C8B-B14F-4D97-AF65-F5344CB8AC3E}">
         <p14:creationId xmlns:p14="http://schemas.microsoft.com/office/powerpoint/2010/main" val="324036451"/>
-      </p:ext>
-    </p:extLst>
-  </p:cSld>
-  <p:clrMapOvr>
-    <a:masterClrMapping/>
-  </p:clrMapOvr>
-</p:sld>
-</file>
-
-<file path=ppt/slides/slide9.xml><?xml version="1.0" encoding="utf-8"?>
-<p:sld xmlns:a="http://schemas.openxmlformats.org/drawingml/2006/main" xmlns:r="http://schemas.openxmlformats.org/officeDocument/2006/relationships" xmlns:p="http://schemas.openxmlformats.org/presentationml/2006/main">
-  <p:cSld>
-    <p:spTree>
-      <p:nvGrpSpPr>
-        <p:cNvPr id="1" name=""/>
-        <p:cNvGrpSpPr/>
-        <p:nvPr/>
-      </p:nvGrpSpPr>
-      <p:grpSpPr>
-        <a:xfrm>
-          <a:off x="0" y="0"/>
-          <a:ext cx="0" cy="0"/>
-          <a:chOff x="0" y="0"/>
-          <a:chExt cx="0" cy="0"/>
-        </a:xfrm>
-      </p:grpSpPr>
-      <p:sp>
-        <p:nvSpPr>
-          <p:cNvPr id="2" name="Title 1">
-            <a:extLst>
-              <a:ext uri="{FF2B5EF4-FFF2-40B4-BE49-F238E27FC236}">
-                <a16:creationId xmlns:a16="http://schemas.microsoft.com/office/drawing/2014/main" id="{DB7B978E-DF40-456A-BDF1-5DB0D791795C}"/>
-              </a:ext>
-            </a:extLst>
-          </p:cNvPr>
-          <p:cNvSpPr>
-            <a:spLocks noGrp="1"/>
-          </p:cNvSpPr>
-          <p:nvPr>
-            <p:ph type="title"/>
-          </p:nvPr>
-        </p:nvSpPr>
-        <p:spPr/>
-        <p:txBody>
-          <a:bodyPr/>
-          <a:lstStyle/>
-          <a:p>
-            <a:endParaRPr lang="en-US"/>
-          </a:p>
-        </p:txBody>
-      </p:sp>
-      <p:sp>
-        <p:nvSpPr>
-          <p:cNvPr id="3" name="Content Placeholder 2">
-            <a:extLst>
-              <a:ext uri="{FF2B5EF4-FFF2-40B4-BE49-F238E27FC236}">
-                <a16:creationId xmlns:a16="http://schemas.microsoft.com/office/drawing/2014/main" id="{304DCD2D-9BC7-4D70-A988-4BC761F88340}"/>
-              </a:ext>
-            </a:extLst>
-          </p:cNvPr>
-          <p:cNvSpPr>
-            <a:spLocks noGrp="1"/>
-          </p:cNvSpPr>
-          <p:nvPr>
-            <p:ph idx="1"/>
-          </p:nvPr>
-        </p:nvSpPr>
-        <p:spPr/>
-        <p:txBody>
-          <a:bodyPr/>
-          <a:lstStyle/>
-          <a:p>
-            <a:endParaRPr lang="en-US"/>
-          </a:p>
-        </p:txBody>
-      </p:sp>
-      <p:pic>
-        <p:nvPicPr>
-          <p:cNvPr id="2052" name="Picture 4" descr="support vector machines (svm)">
-            <a:extLst>
-              <a:ext uri="{FF2B5EF4-FFF2-40B4-BE49-F238E27FC236}">
-                <a16:creationId xmlns:a16="http://schemas.microsoft.com/office/drawing/2014/main" id="{FF294283-9617-436F-9B41-103270BD0226}"/>
-              </a:ext>
-            </a:extLst>
-          </p:cNvPr>
-          <p:cNvPicPr>
-            <a:picLocks noChangeAspect="1" noChangeArrowheads="1"/>
-          </p:cNvPicPr>
-          <p:nvPr/>
-        </p:nvPicPr>
-        <p:blipFill>
-          <a:blip r:embed="rId3">
-            <a:extLst>
-              <a:ext uri="{28A0092B-C50C-407E-A947-70E740481C1C}">
-                <a14:useLocalDpi xmlns:a14="http://schemas.microsoft.com/office/drawing/2010/main" val="0"/>
-              </a:ext>
-            </a:extLst>
-          </a:blip>
-          <a:srcRect/>
-          <a:stretch>
-            <a:fillRect/>
-          </a:stretch>
-        </p:blipFill>
-        <p:spPr bwMode="auto">
-          <a:xfrm>
-            <a:off x="3429000" y="576263"/>
-            <a:ext cx="5334000" cy="5705475"/>
-          </a:xfrm>
-          <a:prstGeom prst="rect">
-            <a:avLst/>
-          </a:prstGeom>
-          <a:noFill/>
-          <a:extLst>
-            <a:ext uri="{909E8E84-426E-40DD-AFC4-6F175D3DCCD1}">
-              <a14:hiddenFill xmlns:a14="http://schemas.microsoft.com/office/drawing/2010/main">
-                <a:solidFill>
-                  <a:srgbClr val="FFFFFF"/>
-                </a:solidFill>
-              </a14:hiddenFill>
-            </a:ext>
-          </a:extLst>
-        </p:spPr>
-      </p:pic>
-    </p:spTree>
-    <p:extLst>
-      <p:ext uri="{BB962C8B-B14F-4D97-AF65-F5344CB8AC3E}">
-        <p14:creationId xmlns:p14="http://schemas.microsoft.com/office/powerpoint/2010/main" val="3505387037"/>
       </p:ext>
     </p:extLst>
   </p:cSld>
